--- a/Презентации/Итерация_1.pptx
+++ b/Презентации/Итерация_1.pptx
@@ -106,6 +106,11 @@
       </a:defRPr>
     </a:lvl9pPr>
   </p:defaultTextStyle>
+  <p:extLst>
+    <p:ext uri="{EFAFB233-063F-42B5-8137-9DF3F51BA10A}">
+      <p15:sldGuideLst xmlns:p15="http://schemas.microsoft.com/office/powerpoint/2012/main"/>
+    </p:ext>
+  </p:extLst>
 </p:presentation>
 </file>
 
@@ -3542,13 +3547,13 @@
         </p:nvSpPr>
         <p:spPr>
           <a:xfrm>
-            <a:off x="655319" y="1125910"/>
-            <a:ext cx="10627581" cy="5306695"/>
+            <a:off x="206734" y="1125910"/>
+            <a:ext cx="11863345" cy="5405990"/>
           </a:xfrm>
         </p:spPr>
         <p:txBody>
           <a:bodyPr>
-            <a:normAutofit fontScale="85000" lnSpcReduction="20000"/>
+            <a:normAutofit fontScale="77500" lnSpcReduction="20000"/>
           </a:bodyPr>
           <a:lstStyle/>
           <a:p>
@@ -3670,6 +3675,20 @@
                 <a:cs typeface="Times New Roman" panose="02020603050405020304" pitchFamily="18" charset="0"/>
               </a:rPr>
               <a:t>Написан 1 генератор задачи на профилирование:</a:t>
+            </a:r>
+            <a:r>
+              <a:rPr lang="en-US" sz="3500" dirty="0">
+                <a:latin typeface="Times New Roman" panose="02020603050405020304" pitchFamily="18" charset="0"/>
+                <a:cs typeface="Times New Roman" panose="02020603050405020304" pitchFamily="18" charset="0"/>
+              </a:rPr>
+              <a:t> </a:t>
+            </a:r>
+            <a:r>
+              <a:rPr lang="ru-RU" sz="3500" dirty="0">
+                <a:latin typeface="Times New Roman" panose="02020603050405020304" pitchFamily="18" charset="0"/>
+                <a:cs typeface="Times New Roman" panose="02020603050405020304" pitchFamily="18" charset="0"/>
+              </a:rPr>
+              <a:t>создаются 2 решения задачи с разной асимптотикой, замеряется время работы, входные данные генерируются случайно</a:t>
             </a:r>
             <a:r>
               <a:rPr lang="en-US" sz="3500" dirty="0">
